--- a/3. Mid-Term/Road Extraction Presentation_Mid Term_Group 8.pptx
+++ b/3. Mid-Term/Road Extraction Presentation_Mid Term_Group 8.pptx
@@ -2458,7 +2458,7 @@
             <a:rPr lang="en-US" sz="1400" kern="1200" dirty="0">
               <a:latin typeface="Arial (Body)"/>
             </a:rPr>
-            <a:t>Dataset sourced from</a:t>
+            <a:t>Dataset sourced from Kaggle</a:t>
           </a:r>
           <a:endParaRPr lang="vi-VN" sz="1400" b="0" kern="1200" dirty="0">
             <a:latin typeface="Arial (Body)"/>
@@ -4658,7 +4658,7 @@
             <a:rPr lang="en-US" sz="1400" kern="1200" dirty="0">
               <a:latin typeface="Arial (Body)"/>
             </a:rPr>
-            <a:t>Dataset sourced from</a:t>
+            <a:t>Dataset sourced from Kaggle</a:t>
           </a:r>
           <a:endParaRPr lang="vi-VN" sz="1400" b="0" kern="1200" dirty="0">
             <a:latin typeface="Arial (Body)"/>
@@ -9844,7 +9844,7 @@
           <a:p>
             <a:fld id="{37F08E86-97F3-449F-B80A-07FA94EBBFA7}" type="datetimeFigureOut">
               <a:rPr lang="en-CA" smtClean="0"/>
-              <a:t>2025-03-06</a:t>
+              <a:t>2025-03-07</a:t>
             </a:fld>
             <a:endParaRPr lang="en-CA"/>
           </a:p>
@@ -12158,7 +12158,7 @@
           <a:p>
             <a:fld id="{1D8BD707-D9CF-40AE-B4C6-C98DA3205C09}" type="datetimeFigureOut">
               <a:rPr lang="en-US"/>
-              <a:t>3/6/2025</a:t>
+              <a:t>3/7/2025</a:t>
             </a:fld>
             <a:endParaRPr lang="en-US"/>
           </a:p>
@@ -12427,7 +12427,7 @@
           <a:p>
             <a:fld id="{1D8BD707-D9CF-40AE-B4C6-C98DA3205C09}" type="datetimeFigureOut">
               <a:rPr lang="en-US"/>
-              <a:t>3/6/2025</a:t>
+              <a:t>3/7/2025</a:t>
             </a:fld>
             <a:endParaRPr lang="en-US"/>
           </a:p>
@@ -12733,7 +12733,7 @@
           <a:p>
             <a:fld id="{1D8BD707-D9CF-40AE-B4C6-C98DA3205C09}" type="datetimeFigureOut">
               <a:rPr lang="en-US"/>
-              <a:t>3/6/2025</a:t>
+              <a:t>3/7/2025</a:t>
             </a:fld>
             <a:endParaRPr lang="en-US"/>
           </a:p>
@@ -12973,7 +12973,7 @@
           <a:p>
             <a:fld id="{1D8BD707-D9CF-40AE-B4C6-C98DA3205C09}" type="datetimeFigureOut">
               <a:rPr lang="en-US"/>
-              <a:t>3/6/2025</a:t>
+              <a:t>3/7/2025</a:t>
             </a:fld>
             <a:endParaRPr lang="en-US"/>
           </a:p>
@@ -13184,7 +13184,7 @@
           <a:p>
             <a:fld id="{1D8BD707-D9CF-40AE-B4C6-C98DA3205C09}" type="datetimeFigureOut">
               <a:rPr lang="en-US"/>
-              <a:t>3/6/2025</a:t>
+              <a:t>3/7/2025</a:t>
             </a:fld>
             <a:endParaRPr lang="en-US"/>
           </a:p>
@@ -13501,7 +13501,7 @@
           <a:p>
             <a:fld id="{1D8BD707-D9CF-40AE-B4C6-C98DA3205C09}" type="datetimeFigureOut">
               <a:rPr lang="en-US"/>
-              <a:t>3/6/2025</a:t>
+              <a:t>3/7/2025</a:t>
             </a:fld>
             <a:endParaRPr lang="en-US"/>
           </a:p>
@@ -17610,8 +17610,8 @@
         </p:nvSpPr>
         <p:spPr bwMode="auto">
           <a:xfrm>
-            <a:off x="529862" y="1887298"/>
-            <a:ext cx="11125200" cy="3724096"/>
+            <a:off x="762000" y="2048880"/>
+            <a:ext cx="10668000" cy="3400931"/>
           </a:xfrm>
           <a:prstGeom prst="rect">
             <a:avLst/>
@@ -17715,6 +17715,19 @@
               <a:tabLst/>
             </a:pPr>
             <a:r>
+              <a:rPr kumimoji="0" lang="en-US" altLang="en-US" sz="1400" i="0" u="none" strike="noStrike" cap="none" normalizeH="0" baseline="0" dirty="0">
+                <a:ln>
+                  <a:noFill/>
+                </a:ln>
+                <a:solidFill>
+                  <a:schemeClr val="tx1"/>
+                </a:solidFill>
+                <a:effectLst/>
+                <a:latin typeface="Arial" panose="020B0604020202020204" pitchFamily="34" charset="0"/>
+              </a:rPr>
+              <a:t>Both</a:t>
+            </a:r>
+            <a:r>
               <a:rPr kumimoji="0" lang="en-US" altLang="en-US" sz="1400" b="1" i="0" u="none" strike="noStrike" cap="none" normalizeH="0" baseline="0" dirty="0">
                 <a:ln>
                   <a:noFill/>
@@ -17725,7 +17738,150 @@
                 <a:effectLst/>
                 <a:latin typeface="Arial" panose="020B0604020202020204" pitchFamily="34" charset="0"/>
               </a:rPr>
-              <a:t>U-Net</a:t>
+              <a:t> U-Net </a:t>
+            </a:r>
+            <a:r>
+              <a:rPr kumimoji="0" lang="en-US" altLang="en-US" sz="1400" i="0" u="none" strike="noStrike" cap="none" normalizeH="0" baseline="0" dirty="0">
+                <a:ln>
+                  <a:noFill/>
+                </a:ln>
+                <a:solidFill>
+                  <a:schemeClr val="tx1"/>
+                </a:solidFill>
+                <a:effectLst/>
+                <a:latin typeface="Arial" panose="020B0604020202020204" pitchFamily="34" charset="0"/>
+              </a:rPr>
+              <a:t>and</a:t>
+            </a:r>
+            <a:r>
+              <a:rPr kumimoji="0" lang="en-US" altLang="en-US" sz="1400" b="1" i="0" u="none" strike="noStrike" cap="none" normalizeH="0" baseline="0" dirty="0">
+                <a:ln>
+                  <a:noFill/>
+                </a:ln>
+                <a:solidFill>
+                  <a:schemeClr val="tx1"/>
+                </a:solidFill>
+                <a:effectLst/>
+                <a:latin typeface="Arial" panose="020B0604020202020204" pitchFamily="34" charset="0"/>
+              </a:rPr>
+              <a:t> DeepLabV3+ </a:t>
+            </a:r>
+            <a:r>
+              <a:rPr kumimoji="0" lang="en-US" altLang="en-US" sz="1400" i="0" u="none" strike="noStrike" cap="none" normalizeH="0" baseline="0" dirty="0">
+                <a:ln>
+                  <a:noFill/>
+                </a:ln>
+                <a:solidFill>
+                  <a:schemeClr val="tx1"/>
+                </a:solidFill>
+                <a:effectLst/>
+                <a:latin typeface="Arial" panose="020B0604020202020204" pitchFamily="34" charset="0"/>
+              </a:rPr>
+              <a:t>has</a:t>
+            </a:r>
+            <a:r>
+              <a:rPr kumimoji="0" lang="en-US" altLang="en-US" sz="1400" b="1" i="0" u="none" strike="noStrike" cap="none" normalizeH="0" baseline="0" dirty="0">
+                <a:ln>
+                  <a:noFill/>
+                </a:ln>
+                <a:solidFill>
+                  <a:schemeClr val="tx1"/>
+                </a:solidFill>
+                <a:effectLst/>
+                <a:latin typeface="Arial" panose="020B0604020202020204" pitchFamily="34" charset="0"/>
+              </a:rPr>
+              <a:t> the low loss </a:t>
+            </a:r>
+            <a:r>
+              <a:rPr kumimoji="0" lang="en-US" altLang="en-US" sz="1400" i="0" u="none" strike="noStrike" cap="none" normalizeH="0" baseline="0" dirty="0">
+                <a:ln>
+                  <a:noFill/>
+                </a:ln>
+                <a:solidFill>
+                  <a:schemeClr val="tx1"/>
+                </a:solidFill>
+                <a:effectLst/>
+                <a:latin typeface="Arial" panose="020B0604020202020204" pitchFamily="34" charset="0"/>
+              </a:rPr>
+              <a:t>with</a:t>
+            </a:r>
+            <a:r>
+              <a:rPr kumimoji="0" lang="en-US" altLang="en-US" sz="1400" b="1" i="0" u="none" strike="noStrike" cap="none" normalizeH="0" baseline="0" dirty="0">
+                <a:ln>
+                  <a:noFill/>
+                </a:ln>
+                <a:solidFill>
+                  <a:schemeClr val="tx1"/>
+                </a:solidFill>
+                <a:effectLst/>
+                <a:latin typeface="Arial" panose="020B0604020202020204" pitchFamily="34" charset="0"/>
+              </a:rPr>
+              <a:t> 0.0658 </a:t>
+            </a:r>
+            <a:r>
+              <a:rPr kumimoji="0" lang="en-US" altLang="en-US" sz="1400" i="0" u="none" strike="noStrike" cap="none" normalizeH="0" baseline="0" dirty="0">
+                <a:ln>
+                  <a:noFill/>
+                </a:ln>
+                <a:solidFill>
+                  <a:schemeClr val="tx1"/>
+                </a:solidFill>
+                <a:effectLst/>
+                <a:latin typeface="Arial" panose="020B0604020202020204" pitchFamily="34" charset="0"/>
+              </a:rPr>
+              <a:t>and</a:t>
+            </a:r>
+            <a:r>
+              <a:rPr kumimoji="0" lang="en-US" altLang="en-US" sz="1400" b="1" i="0" u="none" strike="noStrike" cap="none" normalizeH="0" baseline="0" dirty="0">
+                <a:ln>
+                  <a:noFill/>
+                </a:ln>
+                <a:solidFill>
+                  <a:schemeClr val="tx1"/>
+                </a:solidFill>
+                <a:effectLst/>
+                <a:latin typeface="Arial" panose="020B0604020202020204" pitchFamily="34" charset="0"/>
+              </a:rPr>
+              <a:t> 0.0261 </a:t>
+            </a:r>
+            <a:r>
+              <a:rPr kumimoji="0" lang="en-US" altLang="en-US" sz="1400" i="0" u="none" strike="noStrike" cap="none" normalizeH="0" baseline="0" dirty="0">
+                <a:ln>
+                  <a:noFill/>
+                </a:ln>
+                <a:solidFill>
+                  <a:schemeClr val="tx1"/>
+                </a:solidFill>
+                <a:effectLst/>
+                <a:latin typeface="Arial" panose="020B0604020202020204" pitchFamily="34" charset="0"/>
+              </a:rPr>
+              <a:t>respectively but DeepLabV3+ is better because</a:t>
+            </a:r>
+            <a:r>
+              <a:rPr kumimoji="0" lang="en-US" altLang="en-US" sz="1400" b="1" i="0" u="none" strike="noStrike" cap="none" normalizeH="0" baseline="0" dirty="0">
+                <a:ln>
+                  <a:noFill/>
+                </a:ln>
+                <a:solidFill>
+                  <a:schemeClr val="tx1"/>
+                </a:solidFill>
+                <a:effectLst/>
+                <a:latin typeface="Arial" panose="020B0604020202020204" pitchFamily="34" charset="0"/>
+              </a:rPr>
+              <a:t> </a:t>
+            </a:r>
+            <a:r>
+              <a:rPr kumimoji="0" lang="en-US" altLang="en-US" sz="1400" i="0" u="none" strike="noStrike" cap="none" normalizeH="0" baseline="0" dirty="0">
+                <a:ln>
+                  <a:noFill/>
+                </a:ln>
+                <a:solidFill>
+                  <a:schemeClr val="tx1"/>
+                </a:solidFill>
+                <a:effectLst/>
+                <a:latin typeface="Arial" panose="020B0604020202020204" pitchFamily="34" charset="0"/>
+              </a:rPr>
+              <a:t>it’</a:t>
             </a:r>
             <a:r>
               <a:rPr kumimoji="0" lang="en-US" altLang="en-US" sz="1400" b="0" i="0" u="none" strike="noStrike" cap="none" normalizeH="0" baseline="0" dirty="0">
@@ -17738,89 +17894,21 @@
                 <a:effectLst/>
                 <a:latin typeface="Arial" panose="020B0604020202020204" pitchFamily="34" charset="0"/>
               </a:rPr>
-              <a:t>: The </a:t>
-            </a:r>
-            <a:r>
-              <a:rPr kumimoji="0" lang="en-US" altLang="en-US" sz="1400" b="1" i="0" u="none" strike="noStrike" cap="none" normalizeH="0" baseline="0" dirty="0">
-                <a:ln>
-                  <a:noFill/>
-                </a:ln>
-                <a:solidFill>
-                  <a:schemeClr val="tx1"/>
-                </a:solidFill>
-                <a:effectLst/>
-                <a:latin typeface="Arial" panose="020B0604020202020204" pitchFamily="34" charset="0"/>
-              </a:rPr>
-              <a:t>loss (0.0627)</a:t>
-            </a:r>
-            <a:r>
-              <a:rPr kumimoji="0" lang="en-US" altLang="en-US" sz="1400" b="0" i="0" u="none" strike="noStrike" cap="none" normalizeH="0" baseline="0" dirty="0">
-                <a:ln>
-                  <a:noFill/>
-                </a:ln>
-                <a:solidFill>
-                  <a:schemeClr val="tx1"/>
-                </a:solidFill>
-                <a:effectLst/>
-                <a:latin typeface="Arial" panose="020B0604020202020204" pitchFamily="34" charset="0"/>
-              </a:rPr>
-              <a:t> is low, but it doesn’t give us insight into the quality of segmentation (since it’s just the raw error), whereas other metrics like </a:t>
-            </a:r>
-            <a:r>
-              <a:rPr kumimoji="0" lang="en-US" altLang="en-US" sz="1400" b="1" i="0" u="none" strike="noStrike" cap="none" normalizeH="0" baseline="0" dirty="0" err="1">
-                <a:ln>
-                  <a:noFill/>
-                </a:ln>
-                <a:solidFill>
-                  <a:schemeClr val="tx1"/>
-                </a:solidFill>
-                <a:effectLst/>
-                <a:latin typeface="Arial" panose="020B0604020202020204" pitchFamily="34" charset="0"/>
-              </a:rPr>
-              <a:t>IoU</a:t>
-            </a:r>
-            <a:r>
-              <a:rPr kumimoji="0" lang="en-US" altLang="en-US" sz="1400" b="0" i="0" u="none" strike="noStrike" cap="none" normalizeH="0" baseline="0" dirty="0">
-                <a:ln>
-                  <a:noFill/>
-                </a:ln>
-                <a:solidFill>
-                  <a:schemeClr val="tx1"/>
-                </a:solidFill>
-                <a:effectLst/>
-                <a:latin typeface="Arial" panose="020B0604020202020204" pitchFamily="34" charset="0"/>
-              </a:rPr>
-              <a:t> or </a:t>
-            </a:r>
-            <a:r>
-              <a:rPr kumimoji="0" lang="en-US" altLang="en-US" sz="1400" b="1" i="0" u="none" strike="noStrike" cap="none" normalizeH="0" baseline="0" dirty="0">
-                <a:ln>
-                  <a:noFill/>
-                </a:ln>
-                <a:solidFill>
-                  <a:schemeClr val="tx1"/>
-                </a:solidFill>
-                <a:effectLst/>
-                <a:latin typeface="Arial" panose="020B0604020202020204" pitchFamily="34" charset="0"/>
-              </a:rPr>
-              <a:t>Dice</a:t>
-            </a:r>
-            <a:r>
-              <a:rPr kumimoji="0" lang="en-US" altLang="en-US" sz="1400" b="0" i="0" u="none" strike="noStrike" cap="none" normalizeH="0" baseline="0" dirty="0">
-                <a:ln>
-                  <a:noFill/>
-                </a:ln>
-                <a:solidFill>
-                  <a:schemeClr val="tx1"/>
-                </a:solidFill>
-                <a:effectLst/>
-                <a:latin typeface="Arial" panose="020B0604020202020204" pitchFamily="34" charset="0"/>
-              </a:rPr>
-              <a:t> better reflect the model's segmentation quality. </a:t>
-            </a:r>
+              <a:t>s able to capture the road regions well and overlap with the ground truth effectively. </a:t>
+            </a:r>
+            <a:endParaRPr kumimoji="0" lang="en-US" altLang="en-US" sz="1400" b="1" i="0" u="none" strike="noStrike" cap="none" normalizeH="0" baseline="0" dirty="0">
+              <a:ln>
+                <a:noFill/>
+              </a:ln>
+              <a:solidFill>
+                <a:schemeClr val="tx1"/>
+              </a:solidFill>
+              <a:effectLst/>
+              <a:latin typeface="Arial" panose="020B0604020202020204" pitchFamily="34" charset="0"/>
+            </a:endParaRPr>
           </a:p>
           <a:p>
-            <a:pPr marL="285750" marR="0" lvl="0" indent="-285750" algn="l" defTabSz="914400" rtl="0" eaLnBrk="0" fontAlgn="base" latinLnBrk="0" hangingPunct="0">
+            <a:pPr marR="0" lvl="0" algn="l" defTabSz="914400" rtl="0" eaLnBrk="0" fontAlgn="base" latinLnBrk="0" hangingPunct="0">
               <a:lnSpc>
                 <a:spcPct val="150000"/>
               </a:lnSpc>
@@ -17832,62 +17920,18 @@
               </a:spcAft>
               <a:buClrTx/>
               <a:buSzTx/>
-              <a:buFont typeface="Wingdings" panose="05000000000000000000" pitchFamily="2" charset="2"/>
-              <a:buChar char="q"/>
               <a:tabLst/>
             </a:pPr>
-            <a:r>
-              <a:rPr kumimoji="0" lang="en-US" altLang="en-US" sz="1400" b="1" i="0" u="none" strike="noStrike" cap="none" normalizeH="0" baseline="0" dirty="0">
-                <a:ln>
-                  <a:noFill/>
-                </a:ln>
-                <a:solidFill>
-                  <a:schemeClr val="tx1"/>
-                </a:solidFill>
-                <a:effectLst/>
-                <a:latin typeface="Arial" panose="020B0604020202020204" pitchFamily="34" charset="0"/>
-              </a:rPr>
-              <a:t>DeepLabV3+</a:t>
-            </a:r>
-            <a:r>
-              <a:rPr kumimoji="0" lang="en-US" altLang="en-US" sz="1400" b="0" i="0" u="none" strike="noStrike" cap="none" normalizeH="0" baseline="0" dirty="0">
-                <a:ln>
-                  <a:noFill/>
-                </a:ln>
-                <a:solidFill>
-                  <a:schemeClr val="tx1"/>
-                </a:solidFill>
-                <a:effectLst/>
-                <a:latin typeface="Arial" panose="020B0604020202020204" pitchFamily="34" charset="0"/>
-              </a:rPr>
-              <a:t>: The </a:t>
-            </a:r>
-            <a:r>
-              <a:rPr kumimoji="0" lang="en-US" altLang="en-US" sz="1400" b="1" i="0" u="none" strike="noStrike" cap="none" normalizeH="0" baseline="0" dirty="0">
-                <a:ln>
-                  <a:noFill/>
-                </a:ln>
-                <a:solidFill>
-                  <a:schemeClr val="tx1"/>
-                </a:solidFill>
-                <a:effectLst/>
-                <a:latin typeface="Arial" panose="020B0604020202020204" pitchFamily="34" charset="0"/>
-              </a:rPr>
-              <a:t>Dice Loss (0.0261)</a:t>
-            </a:r>
-            <a:r>
-              <a:rPr kumimoji="0" lang="en-US" altLang="en-US" sz="1400" b="0" i="0" u="none" strike="noStrike" cap="none" normalizeH="0" baseline="0" dirty="0">
-                <a:ln>
-                  <a:noFill/>
-                </a:ln>
-                <a:solidFill>
-                  <a:schemeClr val="tx1"/>
-                </a:solidFill>
-                <a:effectLst/>
-                <a:latin typeface="Arial" panose="020B0604020202020204" pitchFamily="34" charset="0"/>
-              </a:rPr>
-              <a:t> is also low, indicating that DeepLabV3+ is able to capture the road regions well and overlap with the ground truth effectively. </a:t>
-            </a:r>
+            <a:endParaRPr kumimoji="0" lang="en-US" altLang="en-US" sz="1400" b="0" i="0" u="none" strike="noStrike" cap="none" normalizeH="0" baseline="0" dirty="0">
+              <a:ln>
+                <a:noFill/>
+              </a:ln>
+              <a:solidFill>
+                <a:schemeClr val="tx1"/>
+              </a:solidFill>
+              <a:effectLst/>
+              <a:latin typeface="Arial" panose="020B0604020202020204" pitchFamily="34" charset="0"/>
+            </a:endParaRPr>
           </a:p>
           <a:p>
             <a:pPr marL="0" marR="0" lvl="0" indent="0" algn="l" defTabSz="914400" rtl="0" eaLnBrk="0" fontAlgn="base" latinLnBrk="0" hangingPunct="0">
@@ -24079,7 +24123,7 @@
           <p:nvPr>
             <p:extLst>
               <p:ext uri="{D42A27DB-BD31-4B8C-83A1-F6EECF244321}">
-                <p14:modId xmlns:p14="http://schemas.microsoft.com/office/powerpoint/2010/main" val="4033168844"/>
+                <p14:modId xmlns:p14="http://schemas.microsoft.com/office/powerpoint/2010/main" val="2468799142"/>
               </p:ext>
             </p:extLst>
           </p:nvPr>
